--- a/ML9_DeepLearning.pptx
+++ b/ML9_DeepLearning.pptx
@@ -232,7 +232,7 @@
           <a:p>
             <a:fld id="{0FB436C5-5EA3-48AA-8108-4C26E2A1C4C9}" type="datetimeFigureOut">
               <a:rPr lang="es-ES" smtClean="0"/>
-              <a:t>24/01/2026</a:t>
+              <a:t>25/01/2026</a:t>
             </a:fld>
             <a:endParaRPr lang="es-ES"/>
           </a:p>
@@ -35857,7 +35857,7 @@
           <a:p>
             <a:fld id="{BFCDF831-34AB-4DC0-ABA1-EBD072B2C37E}" type="datetime2">
               <a:rPr lang="es-ES" smtClean="0"/>
-              <a:t>sábado, 24 de enero de 2026</a:t>
+              <a:t>domingo, 25 de enero de 2026</a:t>
             </a:fld>
             <a:endParaRPr lang="en-US" dirty="0"/>
           </a:p>
@@ -37506,7 +37506,7 @@
                 <a:effectLst/>
                 <a:latin typeface="Arial" panose="020B0604020202020204" pitchFamily="34" charset="0"/>
               </a:rPr>
-              <a:t> Es una rama de la IA mayormente basada en el uso de redes neuronales profundas, capaz de procesar datos aun si son "no estructurados" (fotos, </a:t>
+              <a:t> Es una rama de la IA mayormente basada en el uso de redes neuronales profundas, capaz de procesar datos aún si son "no estructurados" (fotos, </a:t>
             </a:r>
             <a:r>
               <a:rPr kumimoji="0" lang="es-ES" altLang="es-ES" sz="1800" b="0" i="0" u="none" strike="noStrike" cap="none" normalizeH="0" baseline="0" dirty="0" err="1">
@@ -38151,11 +38151,11 @@
               <a:buChar char="•"/>
             </a:pPr>
             <a:r>
-              <a:rPr lang="es-ES" b="1" dirty="0"/>
+              <a:rPr lang="es-ES" sz="2000" b="1" dirty="0"/>
               <a:t>Problema: </a:t>
             </a:r>
             <a:r>
-              <a:rPr lang="es-ES" dirty="0"/>
+              <a:rPr lang="es-ES" sz="2000" dirty="0"/>
               <a:t>Cientos de correos de clientes llegando a la vez. ¿Cuál respondemos primero?</a:t>
             </a:r>
           </a:p>
@@ -38164,7 +38164,7 @@
               <a:buFont typeface="Arial" panose="020B0604020202020204" pitchFamily="34" charset="0"/>
               <a:buChar char="•"/>
             </a:pPr>
-            <a:endParaRPr lang="es-ES" dirty="0"/>
+            <a:endParaRPr lang="es-ES" sz="2000" dirty="0"/>
           </a:p>
           <a:p>
             <a:pPr marL="285750" indent="-285750">
@@ -38172,11 +38172,11 @@
               <a:buChar char="•"/>
             </a:pPr>
             <a:r>
-              <a:rPr lang="es-ES" b="1" dirty="0"/>
+              <a:rPr lang="es-ES" sz="2000" b="1" dirty="0"/>
               <a:t>Solución: </a:t>
             </a:r>
             <a:r>
-              <a:rPr lang="es-ES" dirty="0"/>
+              <a:rPr lang="es-ES" sz="2000" dirty="0"/>
               <a:t>Clasificación de sentimiento y urgencia con Transformers.</a:t>
             </a:r>
           </a:p>
@@ -38185,7 +38185,7 @@
               <a:buFont typeface="Arial" panose="020B0604020202020204" pitchFamily="34" charset="0"/>
               <a:buChar char="•"/>
             </a:pPr>
-            <a:endParaRPr lang="es-ES" dirty="0"/>
+            <a:endParaRPr lang="es-ES" sz="2000" dirty="0"/>
           </a:p>
           <a:p>
             <a:pPr marL="285750" indent="-285750">
@@ -38193,11 +38193,11 @@
               <a:buChar char="•"/>
             </a:pPr>
             <a:r>
-              <a:rPr lang="es-ES" b="1" dirty="0"/>
+              <a:rPr lang="es-ES" sz="2000" b="1" dirty="0"/>
               <a:t>Impacto en Negocio: </a:t>
             </a:r>
             <a:r>
-              <a:rPr lang="es-ES" dirty="0"/>
+              <a:rPr lang="es-ES" sz="2000" dirty="0"/>
               <a:t>Mejora del NPS (satisfacción del cliente) al priorizar emergencias logísticas sobre consultas generales automáticamente.</a:t>
             </a:r>
           </a:p>
